--- a/Documentation/Design/AdminThrottle.pptx
+++ b/Documentation/Design/AdminThrottle.pptx
@@ -301,7 +301,7 @@
             <a:fld id="{41EB0931-A785-449B-8A04-8FF515FB1870}" type="datetimeFigureOut">
               <a:rPr lang="en-US" smtClean="0"/>
               <a:pPr/>
-              <a:t>12/3/2011</a:t>
+              <a:t>6/2/2012</a:t>
             </a:fld>
             <a:endParaRPr lang="en-US"/>
           </a:p>
@@ -468,7 +468,7 @@
             <a:fld id="{41EB0931-A785-449B-8A04-8FF515FB1870}" type="datetimeFigureOut">
               <a:rPr lang="en-US" smtClean="0"/>
               <a:pPr/>
-              <a:t>12/3/2011</a:t>
+              <a:t>6/2/2012</a:t>
             </a:fld>
             <a:endParaRPr lang="en-US"/>
           </a:p>
@@ -645,7 +645,7 @@
             <a:fld id="{41EB0931-A785-449B-8A04-8FF515FB1870}" type="datetimeFigureOut">
               <a:rPr lang="en-US" smtClean="0"/>
               <a:pPr/>
-              <a:t>12/3/2011</a:t>
+              <a:t>6/2/2012</a:t>
             </a:fld>
             <a:endParaRPr lang="en-US"/>
           </a:p>
@@ -812,7 +812,7 @@
             <a:fld id="{41EB0931-A785-449B-8A04-8FF515FB1870}" type="datetimeFigureOut">
               <a:rPr lang="en-US" smtClean="0"/>
               <a:pPr/>
-              <a:t>12/3/2011</a:t>
+              <a:t>6/2/2012</a:t>
             </a:fld>
             <a:endParaRPr lang="en-US"/>
           </a:p>
@@ -1055,7 +1055,7 @@
             <a:fld id="{41EB0931-A785-449B-8A04-8FF515FB1870}" type="datetimeFigureOut">
               <a:rPr lang="en-US" smtClean="0"/>
               <a:pPr/>
-              <a:t>12/3/2011</a:t>
+              <a:t>6/2/2012</a:t>
             </a:fld>
             <a:endParaRPr lang="en-US"/>
           </a:p>
@@ -1340,7 +1340,7 @@
             <a:fld id="{41EB0931-A785-449B-8A04-8FF515FB1870}" type="datetimeFigureOut">
               <a:rPr lang="en-US" smtClean="0"/>
               <a:pPr/>
-              <a:t>12/3/2011</a:t>
+              <a:t>6/2/2012</a:t>
             </a:fld>
             <a:endParaRPr lang="en-US"/>
           </a:p>
@@ -1759,7 +1759,7 @@
             <a:fld id="{41EB0931-A785-449B-8A04-8FF515FB1870}" type="datetimeFigureOut">
               <a:rPr lang="en-US" smtClean="0"/>
               <a:pPr/>
-              <a:t>12/3/2011</a:t>
+              <a:t>6/2/2012</a:t>
             </a:fld>
             <a:endParaRPr lang="en-US"/>
           </a:p>
@@ -1874,7 +1874,7 @@
             <a:fld id="{41EB0931-A785-449B-8A04-8FF515FB1870}" type="datetimeFigureOut">
               <a:rPr lang="en-US" smtClean="0"/>
               <a:pPr/>
-              <a:t>12/3/2011</a:t>
+              <a:t>6/2/2012</a:t>
             </a:fld>
             <a:endParaRPr lang="en-US"/>
           </a:p>
@@ -1966,7 +1966,7 @@
             <a:fld id="{41EB0931-A785-449B-8A04-8FF515FB1870}" type="datetimeFigureOut">
               <a:rPr lang="en-US" smtClean="0"/>
               <a:pPr/>
-              <a:t>12/3/2011</a:t>
+              <a:t>6/2/2012</a:t>
             </a:fld>
             <a:endParaRPr lang="en-US"/>
           </a:p>
@@ -2240,7 +2240,7 @@
             <a:fld id="{41EB0931-A785-449B-8A04-8FF515FB1870}" type="datetimeFigureOut">
               <a:rPr lang="en-US" smtClean="0"/>
               <a:pPr/>
-              <a:t>12/3/2011</a:t>
+              <a:t>6/2/2012</a:t>
             </a:fld>
             <a:endParaRPr lang="en-US"/>
           </a:p>
@@ -2490,7 +2490,7 @@
             <a:fld id="{41EB0931-A785-449B-8A04-8FF515FB1870}" type="datetimeFigureOut">
               <a:rPr lang="en-US" smtClean="0"/>
               <a:pPr/>
-              <a:t>12/3/2011</a:t>
+              <a:t>6/2/2012</a:t>
             </a:fld>
             <a:endParaRPr lang="en-US"/>
           </a:p>
@@ -2700,7 +2700,7 @@
             <a:fld id="{41EB0931-A785-449B-8A04-8FF515FB1870}" type="datetimeFigureOut">
               <a:rPr lang="en-US" smtClean="0"/>
               <a:pPr/>
-              <a:t>12/3/2011</a:t>
+              <a:t>6/2/2012</a:t>
             </a:fld>
             <a:endParaRPr lang="en-US"/>
           </a:p>
@@ -5146,123 +5146,21 @@
                 <a:latin typeface="Courier New" pitchFamily="49" charset="0"/>
                 <a:cs typeface="Courier New" pitchFamily="49" charset="0"/>
               </a:rPr>
-              <a:t> steal loco  </a:t>
-            </a:r>
-          </a:p>
-          <a:p>
-            <a:r>
-              <a:rPr lang="en-US" sz="1000" dirty="0" smtClean="0">
-                <a:latin typeface="Courier New" pitchFamily="49" charset="0"/>
-                <a:cs typeface="Courier New" pitchFamily="49" charset="0"/>
-              </a:rPr>
-              <a:t>13   1 C * T C T C </a:t>
-            </a:r>
-            <a:r>
-              <a:rPr lang="en-US" sz="1000" dirty="0" err="1" smtClean="0">
-                <a:latin typeface="Courier New" pitchFamily="49" charset="0"/>
-                <a:cs typeface="Courier New" pitchFamily="49" charset="0"/>
-              </a:rPr>
-              <a:t>C</a:t>
-            </a:r>
-            <a:r>
-              <a:rPr lang="en-US" sz="1000" dirty="0" smtClean="0">
-                <a:latin typeface="Courier New" pitchFamily="49" charset="0"/>
-                <a:cs typeface="Courier New" pitchFamily="49" charset="0"/>
-              </a:rPr>
-              <a:t> T C *                                                                    </a:t>
-            </a:r>
-          </a:p>
-          <a:p>
-            <a:r>
-              <a:rPr lang="en-US" sz="1000" dirty="0" smtClean="0">
-                <a:latin typeface="Courier New" pitchFamily="49" charset="0"/>
-                <a:cs typeface="Courier New" pitchFamily="49" charset="0"/>
-              </a:rPr>
-              <a:t>14   2 T </a:t>
-            </a:r>
-            <a:r>
-              <a:rPr lang="en-US" sz="1000" dirty="0" err="1" smtClean="0">
-                <a:latin typeface="Courier New" pitchFamily="49" charset="0"/>
-                <a:cs typeface="Courier New" pitchFamily="49" charset="0"/>
-              </a:rPr>
-              <a:t>T</a:t>
-            </a:r>
-            <a:r>
-              <a:rPr lang="en-US" sz="1000" dirty="0" smtClean="0">
-                <a:latin typeface="Courier New" pitchFamily="49" charset="0"/>
-                <a:cs typeface="Courier New" pitchFamily="49" charset="0"/>
-              </a:rPr>
-              <a:t> C </a:t>
-            </a:r>
-            <a:r>
-              <a:rPr lang="en-US" sz="1000" dirty="0" err="1" smtClean="0">
-                <a:latin typeface="Courier New" pitchFamily="49" charset="0"/>
-                <a:cs typeface="Courier New" pitchFamily="49" charset="0"/>
-              </a:rPr>
-              <a:t>C</a:t>
-            </a:r>
-            <a:r>
-              <a:rPr lang="en-US" sz="1000" dirty="0" smtClean="0">
-                <a:latin typeface="Courier New" pitchFamily="49" charset="0"/>
-                <a:cs typeface="Courier New" pitchFamily="49" charset="0"/>
-              </a:rPr>
-              <a:t> </a:t>
-            </a:r>
-            <a:r>
-              <a:rPr lang="en-US" sz="1000" dirty="0" err="1" smtClean="0">
-                <a:latin typeface="Courier New" pitchFamily="49" charset="0"/>
-                <a:cs typeface="Courier New" pitchFamily="49" charset="0"/>
-              </a:rPr>
-              <a:t>C</a:t>
-            </a:r>
-            <a:r>
-              <a:rPr lang="en-US" sz="1000" dirty="0" smtClean="0">
-                <a:latin typeface="Courier New" pitchFamily="49" charset="0"/>
-                <a:cs typeface="Courier New" pitchFamily="49" charset="0"/>
-              </a:rPr>
-              <a:t> </a:t>
-            </a:r>
-            <a:r>
-              <a:rPr lang="en-US" sz="1000" dirty="0" err="1" smtClean="0">
-                <a:latin typeface="Courier New" pitchFamily="49" charset="0"/>
-                <a:cs typeface="Courier New" pitchFamily="49" charset="0"/>
-              </a:rPr>
-              <a:t>C</a:t>
-            </a:r>
-            <a:r>
-              <a:rPr lang="en-US" sz="1000" dirty="0" smtClean="0">
-                <a:latin typeface="Courier New" pitchFamily="49" charset="0"/>
-                <a:cs typeface="Courier New" pitchFamily="49" charset="0"/>
-              </a:rPr>
-              <a:t> </a:t>
-            </a:r>
-            <a:r>
-              <a:rPr lang="en-US" sz="1000" dirty="0" err="1" smtClean="0">
-                <a:latin typeface="Courier New" pitchFamily="49" charset="0"/>
-                <a:cs typeface="Courier New" pitchFamily="49" charset="0"/>
-              </a:rPr>
-              <a:t>C</a:t>
-            </a:r>
-            <a:r>
-              <a:rPr lang="en-US" sz="1000" dirty="0" smtClean="0">
-                <a:latin typeface="Courier New" pitchFamily="49" charset="0"/>
-                <a:cs typeface="Courier New" pitchFamily="49" charset="0"/>
-              </a:rPr>
-              <a:t>                 Cs </a:t>
+              <a:t> steal </a:t>
             </a:r>
             <a:r>
               <a:rPr lang="en-US" sz="1000" smtClean="0">
                 <a:latin typeface="Courier New" pitchFamily="49" charset="0"/>
                 <a:cs typeface="Courier New" pitchFamily="49" charset="0"/>
               </a:rPr>
-              <a:t>close </a:t>
+              <a:t>loco  </a:t>
             </a:r>
             <a:r>
               <a:rPr lang="en-US" sz="1000" smtClean="0">
                 <a:latin typeface="Courier New" pitchFamily="49" charset="0"/>
                 <a:cs typeface="Courier New" pitchFamily="49" charset="0"/>
               </a:rPr>
-              <a:t>         Ts throw</a:t>
+              <a:t> SX remove loco</a:t>
             </a:r>
             <a:endParaRPr lang="en-US" sz="1000" dirty="0" smtClean="0">
               <a:latin typeface="Courier New" pitchFamily="49" charset="0"/>
@@ -5271,6 +5169,119 @@
           </a:p>
           <a:p>
             <a:r>
+              <a:rPr lang="en-US" sz="1000" dirty="0" smtClean="0">
+                <a:latin typeface="Courier New" pitchFamily="49" charset="0"/>
+                <a:cs typeface="Courier New" pitchFamily="49" charset="0"/>
+              </a:rPr>
+              <a:t>13   1 C * T C T C </a:t>
+            </a:r>
+            <a:r>
+              <a:rPr lang="en-US" sz="1000" dirty="0" err="1" smtClean="0">
+                <a:latin typeface="Courier New" pitchFamily="49" charset="0"/>
+                <a:cs typeface="Courier New" pitchFamily="49" charset="0"/>
+              </a:rPr>
+              <a:t>C</a:t>
+            </a:r>
+            <a:r>
+              <a:rPr lang="en-US" sz="1000" dirty="0" smtClean="0">
+                <a:latin typeface="Courier New" pitchFamily="49" charset="0"/>
+                <a:cs typeface="Courier New" pitchFamily="49" charset="0"/>
+              </a:rPr>
+              <a:t> T C *                                                                    </a:t>
+            </a:r>
+          </a:p>
+          <a:p>
+            <a:r>
+              <a:rPr lang="en-US" sz="1000" dirty="0" smtClean="0">
+                <a:latin typeface="Courier New" pitchFamily="49" charset="0"/>
+                <a:cs typeface="Courier New" pitchFamily="49" charset="0"/>
+              </a:rPr>
+              <a:t>14   2 T </a:t>
+            </a:r>
+            <a:r>
+              <a:rPr lang="en-US" sz="1000" dirty="0" err="1" smtClean="0">
+                <a:latin typeface="Courier New" pitchFamily="49" charset="0"/>
+                <a:cs typeface="Courier New" pitchFamily="49" charset="0"/>
+              </a:rPr>
+              <a:t>T</a:t>
+            </a:r>
+            <a:r>
+              <a:rPr lang="en-US" sz="1000" dirty="0" smtClean="0">
+                <a:latin typeface="Courier New" pitchFamily="49" charset="0"/>
+                <a:cs typeface="Courier New" pitchFamily="49" charset="0"/>
+              </a:rPr>
+              <a:t> C </a:t>
+            </a:r>
+            <a:r>
+              <a:rPr lang="en-US" sz="1000" dirty="0" err="1" smtClean="0">
+                <a:latin typeface="Courier New" pitchFamily="49" charset="0"/>
+                <a:cs typeface="Courier New" pitchFamily="49" charset="0"/>
+              </a:rPr>
+              <a:t>C</a:t>
+            </a:r>
+            <a:r>
+              <a:rPr lang="en-US" sz="1000" dirty="0" smtClean="0">
+                <a:latin typeface="Courier New" pitchFamily="49" charset="0"/>
+                <a:cs typeface="Courier New" pitchFamily="49" charset="0"/>
+              </a:rPr>
+              <a:t> </a:t>
+            </a:r>
+            <a:r>
+              <a:rPr lang="en-US" sz="1000" dirty="0" err="1" smtClean="0">
+                <a:latin typeface="Courier New" pitchFamily="49" charset="0"/>
+                <a:cs typeface="Courier New" pitchFamily="49" charset="0"/>
+              </a:rPr>
+              <a:t>C</a:t>
+            </a:r>
+            <a:r>
+              <a:rPr lang="en-US" sz="1000" dirty="0" smtClean="0">
+                <a:latin typeface="Courier New" pitchFamily="49" charset="0"/>
+                <a:cs typeface="Courier New" pitchFamily="49" charset="0"/>
+              </a:rPr>
+              <a:t> </a:t>
+            </a:r>
+            <a:r>
+              <a:rPr lang="en-US" sz="1000" dirty="0" err="1" smtClean="0">
+                <a:latin typeface="Courier New" pitchFamily="49" charset="0"/>
+                <a:cs typeface="Courier New" pitchFamily="49" charset="0"/>
+              </a:rPr>
+              <a:t>C</a:t>
+            </a:r>
+            <a:r>
+              <a:rPr lang="en-US" sz="1000" dirty="0" smtClean="0">
+                <a:latin typeface="Courier New" pitchFamily="49" charset="0"/>
+                <a:cs typeface="Courier New" pitchFamily="49" charset="0"/>
+              </a:rPr>
+              <a:t> </a:t>
+            </a:r>
+            <a:r>
+              <a:rPr lang="en-US" sz="1000" dirty="0" err="1" smtClean="0">
+                <a:latin typeface="Courier New" pitchFamily="49" charset="0"/>
+                <a:cs typeface="Courier New" pitchFamily="49" charset="0"/>
+              </a:rPr>
+              <a:t>C</a:t>
+            </a:r>
+            <a:r>
+              <a:rPr lang="en-US" sz="1000" dirty="0" smtClean="0">
+                <a:latin typeface="Courier New" pitchFamily="49" charset="0"/>
+                <a:cs typeface="Courier New" pitchFamily="49" charset="0"/>
+              </a:rPr>
+              <a:t>                 Cs </a:t>
+            </a:r>
+            <a:r>
+              <a:rPr lang="en-US" sz="1000" smtClean="0">
+                <a:latin typeface="Courier New" pitchFamily="49" charset="0"/>
+                <a:cs typeface="Courier New" pitchFamily="49" charset="0"/>
+              </a:rPr>
+              <a:t>close          Ts throw</a:t>
+            </a:r>
+            <a:endParaRPr lang="en-US" sz="1000" dirty="0" smtClean="0">
+              <a:latin typeface="Courier New" pitchFamily="49" charset="0"/>
+              <a:cs typeface="Courier New" pitchFamily="49" charset="0"/>
+            </a:endParaRPr>
+          </a:p>
+          <a:p>
+            <a:r>
               <a:rPr lang="en-US" sz="1000" smtClean="0">
                 <a:latin typeface="Courier New" pitchFamily="49" charset="0"/>
                 <a:cs typeface="Courier New" pitchFamily="49" charset="0"/>
@@ -5405,14 +5416,7 @@
                 <a:latin typeface="Courier New" pitchFamily="49" charset="0"/>
                 <a:cs typeface="Courier New" pitchFamily="49" charset="0"/>
               </a:rPr>
-              <a:t>file </a:t>
-            </a:r>
-            <a:r>
-              <a:rPr lang="en-US" sz="1000" smtClean="0">
-                <a:latin typeface="Courier New" pitchFamily="49" charset="0"/>
-                <a:cs typeface="Courier New" pitchFamily="49" charset="0"/>
-              </a:rPr>
-              <a:t>name    n  = 0..127</a:t>
+              <a:t>file name    n  = 0..127</a:t>
             </a:r>
             <a:endParaRPr lang="en-US" sz="1000" dirty="0" smtClean="0">
               <a:latin typeface="Courier New" pitchFamily="49" charset="0"/>

--- a/Documentation/Design/AdminThrottle.pptx
+++ b/Documentation/Design/AdminThrottle.pptx
@@ -301,7 +301,7 @@
             <a:fld id="{41EB0931-A785-449B-8A04-8FF515FB1870}" type="datetimeFigureOut">
               <a:rPr lang="en-US" smtClean="0"/>
               <a:pPr/>
-              <a:t>6/2/2012</a:t>
+              <a:t>7/5/2012</a:t>
             </a:fld>
             <a:endParaRPr lang="en-US"/>
           </a:p>
@@ -468,7 +468,7 @@
             <a:fld id="{41EB0931-A785-449B-8A04-8FF515FB1870}" type="datetimeFigureOut">
               <a:rPr lang="en-US" smtClean="0"/>
               <a:pPr/>
-              <a:t>6/2/2012</a:t>
+              <a:t>7/5/2012</a:t>
             </a:fld>
             <a:endParaRPr lang="en-US"/>
           </a:p>
@@ -645,7 +645,7 @@
             <a:fld id="{41EB0931-A785-449B-8A04-8FF515FB1870}" type="datetimeFigureOut">
               <a:rPr lang="en-US" smtClean="0"/>
               <a:pPr/>
-              <a:t>6/2/2012</a:t>
+              <a:t>7/5/2012</a:t>
             </a:fld>
             <a:endParaRPr lang="en-US"/>
           </a:p>
@@ -812,7 +812,7 @@
             <a:fld id="{41EB0931-A785-449B-8A04-8FF515FB1870}" type="datetimeFigureOut">
               <a:rPr lang="en-US" smtClean="0"/>
               <a:pPr/>
-              <a:t>6/2/2012</a:t>
+              <a:t>7/5/2012</a:t>
             </a:fld>
             <a:endParaRPr lang="en-US"/>
           </a:p>
@@ -1055,7 +1055,7 @@
             <a:fld id="{41EB0931-A785-449B-8A04-8FF515FB1870}" type="datetimeFigureOut">
               <a:rPr lang="en-US" smtClean="0"/>
               <a:pPr/>
-              <a:t>6/2/2012</a:t>
+              <a:t>7/5/2012</a:t>
             </a:fld>
             <a:endParaRPr lang="en-US"/>
           </a:p>
@@ -1340,7 +1340,7 @@
             <a:fld id="{41EB0931-A785-449B-8A04-8FF515FB1870}" type="datetimeFigureOut">
               <a:rPr lang="en-US" smtClean="0"/>
               <a:pPr/>
-              <a:t>6/2/2012</a:t>
+              <a:t>7/5/2012</a:t>
             </a:fld>
             <a:endParaRPr lang="en-US"/>
           </a:p>
@@ -1759,7 +1759,7 @@
             <a:fld id="{41EB0931-A785-449B-8A04-8FF515FB1870}" type="datetimeFigureOut">
               <a:rPr lang="en-US" smtClean="0"/>
               <a:pPr/>
-              <a:t>6/2/2012</a:t>
+              <a:t>7/5/2012</a:t>
             </a:fld>
             <a:endParaRPr lang="en-US"/>
           </a:p>
@@ -1874,7 +1874,7 @@
             <a:fld id="{41EB0931-A785-449B-8A04-8FF515FB1870}" type="datetimeFigureOut">
               <a:rPr lang="en-US" smtClean="0"/>
               <a:pPr/>
-              <a:t>6/2/2012</a:t>
+              <a:t>7/5/2012</a:t>
             </a:fld>
             <a:endParaRPr lang="en-US"/>
           </a:p>
@@ -1966,7 +1966,7 @@
             <a:fld id="{41EB0931-A785-449B-8A04-8FF515FB1870}" type="datetimeFigureOut">
               <a:rPr lang="en-US" smtClean="0"/>
               <a:pPr/>
-              <a:t>6/2/2012</a:t>
+              <a:t>7/5/2012</a:t>
             </a:fld>
             <a:endParaRPr lang="en-US"/>
           </a:p>
@@ -2240,7 +2240,7 @@
             <a:fld id="{41EB0931-A785-449B-8A04-8FF515FB1870}" type="datetimeFigureOut">
               <a:rPr lang="en-US" smtClean="0"/>
               <a:pPr/>
-              <a:t>6/2/2012</a:t>
+              <a:t>7/5/2012</a:t>
             </a:fld>
             <a:endParaRPr lang="en-US"/>
           </a:p>
@@ -2490,7 +2490,7 @@
             <a:fld id="{41EB0931-A785-449B-8A04-8FF515FB1870}" type="datetimeFigureOut">
               <a:rPr lang="en-US" smtClean="0"/>
               <a:pPr/>
-              <a:t>6/2/2012</a:t>
+              <a:t>7/5/2012</a:t>
             </a:fld>
             <a:endParaRPr lang="en-US"/>
           </a:p>
@@ -2700,7 +2700,7 @@
             <a:fld id="{41EB0931-A785-449B-8A04-8FF515FB1870}" type="datetimeFigureOut">
               <a:rPr lang="en-US" smtClean="0"/>
               <a:pPr/>
-              <a:t>6/2/2012</a:t>
+              <a:t>7/5/2012</a:t>
             </a:fld>
             <a:endParaRPr lang="en-US"/>
           </a:p>
@@ -4663,13 +4663,13 @@
       </p:grpSpPr>
       <p:sp>
         <p:nvSpPr>
-          <p:cNvPr id="8" name="TextBox 7"/>
+          <p:cNvPr id="7" name="TextBox 6"/>
           <p:cNvSpPr txBox="1"/>
           <p:nvPr/>
         </p:nvSpPr>
         <p:spPr>
           <a:xfrm>
-            <a:off x="15001" y="325233"/>
+            <a:off x="990600" y="1219200"/>
             <a:ext cx="7290638" cy="4247317"/>
           </a:xfrm>
           <a:prstGeom prst="rect">
@@ -5146,21 +5146,65 @@
                 <a:latin typeface="Courier New" pitchFamily="49" charset="0"/>
                 <a:cs typeface="Courier New" pitchFamily="49" charset="0"/>
               </a:rPr>
-              <a:t> steal </a:t>
+              <a:t> steal loco  </a:t>
+            </a:r>
+          </a:p>
+          <a:p>
+            <a:r>
+              <a:rPr lang="en-US" sz="1000" dirty="0" smtClean="0">
+                <a:latin typeface="Courier New" pitchFamily="49" charset="0"/>
+                <a:cs typeface="Courier New" pitchFamily="49" charset="0"/>
+              </a:rPr>
+              <a:t>13   1 </a:t>
             </a:r>
             <a:r>
               <a:rPr lang="en-US" sz="1000" smtClean="0">
                 <a:latin typeface="Courier New" pitchFamily="49" charset="0"/>
                 <a:cs typeface="Courier New" pitchFamily="49" charset="0"/>
               </a:rPr>
-              <a:t>loco  </a:t>
+              <a:t>C </a:t>
             </a:r>
             <a:r>
               <a:rPr lang="en-US" sz="1000" smtClean="0">
                 <a:latin typeface="Courier New" pitchFamily="49" charset="0"/>
                 <a:cs typeface="Courier New" pitchFamily="49" charset="0"/>
               </a:rPr>
-              <a:t> SX remove loco</a:t>
+              <a:t>c </a:t>
+            </a:r>
+            <a:r>
+              <a:rPr lang="en-US" sz="1000" dirty="0" smtClean="0">
+                <a:latin typeface="Courier New" pitchFamily="49" charset="0"/>
+                <a:cs typeface="Courier New" pitchFamily="49" charset="0"/>
+              </a:rPr>
+              <a:t>T C T C </a:t>
+            </a:r>
+            <a:r>
+              <a:rPr lang="en-US" sz="1000" dirty="0" err="1" smtClean="0">
+                <a:latin typeface="Courier New" pitchFamily="49" charset="0"/>
+                <a:cs typeface="Courier New" pitchFamily="49" charset="0"/>
+              </a:rPr>
+              <a:t>C</a:t>
+            </a:r>
+            <a:r>
+              <a:rPr lang="en-US" sz="1000" dirty="0" smtClean="0">
+                <a:latin typeface="Courier New" pitchFamily="49" charset="0"/>
+                <a:cs typeface="Courier New" pitchFamily="49" charset="0"/>
+              </a:rPr>
+              <a:t> T </a:t>
+            </a:r>
+            <a:r>
+              <a:rPr lang="en-US" sz="1000" smtClean="0">
+                <a:latin typeface="Courier New" pitchFamily="49" charset="0"/>
+                <a:cs typeface="Courier New" pitchFamily="49" charset="0"/>
+              </a:rPr>
+              <a:t>C </a:t>
+            </a:r>
+            <a:r>
+              <a:rPr lang="en-US" sz="1000" smtClean="0">
+                <a:latin typeface="Courier New" pitchFamily="49" charset="0"/>
+                <a:cs typeface="Courier New" pitchFamily="49" charset="0"/>
+              </a:rPr>
+              <a:t>t                                                                    </a:t>
             </a:r>
             <a:endParaRPr lang="en-US" sz="1000" dirty="0" smtClean="0">
               <a:latin typeface="Courier New" pitchFamily="49" charset="0"/>
@@ -5173,29 +5217,6 @@
                 <a:latin typeface="Courier New" pitchFamily="49" charset="0"/>
                 <a:cs typeface="Courier New" pitchFamily="49" charset="0"/>
               </a:rPr>
-              <a:t>13   1 C * T C T C </a:t>
-            </a:r>
-            <a:r>
-              <a:rPr lang="en-US" sz="1000" dirty="0" err="1" smtClean="0">
-                <a:latin typeface="Courier New" pitchFamily="49" charset="0"/>
-                <a:cs typeface="Courier New" pitchFamily="49" charset="0"/>
-              </a:rPr>
-              <a:t>C</a:t>
-            </a:r>
-            <a:r>
-              <a:rPr lang="en-US" sz="1000" dirty="0" smtClean="0">
-                <a:latin typeface="Courier New" pitchFamily="49" charset="0"/>
-                <a:cs typeface="Courier New" pitchFamily="49" charset="0"/>
-              </a:rPr>
-              <a:t> T C *                                                                    </a:t>
-            </a:r>
-          </a:p>
-          <a:p>
-            <a:r>
-              <a:rPr lang="en-US" sz="1000" dirty="0" smtClean="0">
-                <a:latin typeface="Courier New" pitchFamily="49" charset="0"/>
-                <a:cs typeface="Courier New" pitchFamily="49" charset="0"/>
-              </a:rPr>
               <a:t>14   2 T </a:t>
             </a:r>
             <a:r>
@@ -5449,188 +5470,13 @@
       </p:sp>
       <p:sp>
         <p:nvSpPr>
-          <p:cNvPr id="9" name="TextBox 8"/>
+          <p:cNvPr id="11" name="TextBox 10"/>
           <p:cNvSpPr txBox="1"/>
           <p:nvPr/>
         </p:nvSpPr>
         <p:spPr>
           <a:xfrm>
-            <a:off x="161364" y="4671996"/>
-            <a:ext cx="4776281" cy="2154436"/>
-          </a:xfrm>
-          <a:prstGeom prst="rect">
-            <a:avLst/>
-          </a:prstGeom>
-          <a:noFill/>
-        </p:spPr>
-        <p:txBody>
-          <a:bodyPr wrap="square" rtlCol="0">
-            <a:spAutoFit/>
-          </a:bodyPr>
-          <a:lstStyle/>
-          <a:p>
-            <a:pPr>
-              <a:buFont typeface="Wingdings" pitchFamily="2" charset="2"/>
-              <a:buChar char="q"/>
-            </a:pPr>
-            <a:r>
-              <a:rPr lang="en-US" sz="1100" dirty="0" smtClean="0"/>
-              <a:t>Switch commands use the switch number</a:t>
-            </a:r>
-          </a:p>
-          <a:p>
-            <a:pPr>
-              <a:buFont typeface="Wingdings" pitchFamily="2" charset="2"/>
-              <a:buChar char="q"/>
-            </a:pPr>
-            <a:r>
-              <a:rPr lang="en-US" sz="1100" dirty="0" smtClean="0"/>
-              <a:t>It: increases the speed of train t by 30, to a limit of 127</a:t>
-            </a:r>
-          </a:p>
-          <a:p>
-            <a:pPr>
-              <a:buFont typeface="Wingdings" pitchFamily="2" charset="2"/>
-              <a:buChar char="q"/>
-            </a:pPr>
-            <a:r>
-              <a:rPr lang="en-US" sz="1100" dirty="0" err="1" smtClean="0"/>
-              <a:t>Dt</a:t>
-            </a:r>
-            <a:r>
-              <a:rPr lang="en-US" sz="1100" dirty="0" smtClean="0"/>
-              <a:t>: decreases the speed of train t by 30, to a limit of 0</a:t>
-            </a:r>
-          </a:p>
-          <a:p>
-            <a:endParaRPr lang="en-US" sz="1100" dirty="0" smtClean="0"/>
-          </a:p>
-          <a:p>
-            <a:r>
-              <a:rPr lang="en-US" sz="1200" b="1" dirty="0" smtClean="0"/>
-              <a:t>Train data</a:t>
-            </a:r>
-          </a:p>
-          <a:p>
-            <a:pPr>
-              <a:buFont typeface="Wingdings" pitchFamily="2" charset="2"/>
-              <a:buChar char="q"/>
-            </a:pPr>
-            <a:r>
-              <a:rPr lang="en-US" sz="1100" dirty="0" smtClean="0"/>
-              <a:t>In </a:t>
-            </a:r>
-            <a:r>
-              <a:rPr lang="en-US" sz="1100" dirty="0" err="1" smtClean="0"/>
-              <a:t>PydaRail</a:t>
-            </a:r>
-            <a:r>
-              <a:rPr lang="en-US" sz="1100" dirty="0" smtClean="0"/>
-              <a:t> mode ,this represents data sent by </a:t>
-            </a:r>
-            <a:r>
-              <a:rPr lang="en-US" sz="1100" dirty="0" err="1" smtClean="0"/>
-              <a:t>PydaRail</a:t>
-            </a:r>
-            <a:r>
-              <a:rPr lang="en-US" sz="1100" dirty="0" smtClean="0"/>
-              <a:t> to all </a:t>
-            </a:r>
-            <a:r>
-              <a:rPr lang="en-US" sz="1100" dirty="0" err="1" smtClean="0"/>
-              <a:t>Othrottles</a:t>
-            </a:r>
-            <a:r>
-              <a:rPr lang="en-US" sz="1100" dirty="0" smtClean="0"/>
-              <a:t>. </a:t>
-            </a:r>
-            <a:br>
-              <a:rPr lang="en-US" sz="1100" dirty="0" smtClean="0"/>
-            </a:br>
-            <a:r>
-              <a:rPr lang="en-US" sz="1100" dirty="0" smtClean="0"/>
-              <a:t>     I need to add some messages for this.</a:t>
-            </a:r>
-          </a:p>
-          <a:p>
-            <a:pPr>
-              <a:buFont typeface="Wingdings" pitchFamily="2" charset="2"/>
-              <a:buChar char="q"/>
-            </a:pPr>
-            <a:r>
-              <a:rPr lang="en-US" sz="1100" dirty="0" smtClean="0">
-                <a:solidFill>
-                  <a:srgbClr val="FF0000"/>
-                </a:solidFill>
-              </a:rPr>
-              <a:t>In Standalone mode, as indicated by user</a:t>
-            </a:r>
-          </a:p>
-          <a:p>
-            <a:pPr>
-              <a:buFont typeface="Wingdings" pitchFamily="2" charset="2"/>
-              <a:buChar char="q"/>
-            </a:pPr>
-            <a:endParaRPr lang="en-US" sz="1100" dirty="0" smtClean="0"/>
-          </a:p>
-          <a:p>
-            <a:r>
-              <a:rPr lang="en-US" sz="1200" b="1" dirty="0" smtClean="0"/>
-              <a:t>Switches</a:t>
-            </a:r>
-            <a:endParaRPr lang="en-US" sz="1100" b="1" dirty="0" smtClean="0"/>
-          </a:p>
-          <a:p>
-            <a:pPr>
-              <a:buFont typeface="Wingdings" pitchFamily="2" charset="2"/>
-              <a:buChar char="q"/>
-            </a:pPr>
-            <a:r>
-              <a:rPr lang="en-US" sz="1100" dirty="0" smtClean="0"/>
-              <a:t>In </a:t>
-            </a:r>
-            <a:r>
-              <a:rPr lang="en-US" sz="1100" dirty="0" err="1" smtClean="0"/>
-              <a:t>Pydarail</a:t>
-            </a:r>
-            <a:r>
-              <a:rPr lang="en-US" sz="1100" dirty="0" smtClean="0"/>
-              <a:t> mode, this represents data sent by </a:t>
-            </a:r>
-            <a:r>
-              <a:rPr lang="en-US" sz="1100" dirty="0" err="1" smtClean="0"/>
-              <a:t>PydaRail</a:t>
-            </a:r>
-            <a:r>
-              <a:rPr lang="en-US" sz="1100" dirty="0" smtClean="0"/>
-              <a:t>.</a:t>
-            </a:r>
-          </a:p>
-          <a:p>
-            <a:pPr>
-              <a:buFont typeface="Wingdings" pitchFamily="2" charset="2"/>
-              <a:buChar char="q"/>
-            </a:pPr>
-            <a:r>
-              <a:rPr lang="en-US" sz="1100" dirty="0" smtClean="0">
-                <a:solidFill>
-                  <a:srgbClr val="FF0000"/>
-                </a:solidFill>
-              </a:rPr>
-              <a:t>In Standalone mode, as reported by the railroad</a:t>
-            </a:r>
-          </a:p>
-        </p:txBody>
-      </p:sp>
-      <p:sp>
-        <p:nvSpPr>
-          <p:cNvPr id="10" name="TextBox 9"/>
-          <p:cNvSpPr txBox="1"/>
-          <p:nvPr/>
-        </p:nvSpPr>
-        <p:spPr>
-          <a:xfrm>
-            <a:off x="168562" y="34600"/>
+            <a:off x="3581400" y="381000"/>
             <a:ext cx="1602746" cy="369332"/>
           </a:xfrm>
           <a:prstGeom prst="rect">
@@ -5649,475 +5495,6 @@
               <a:t>Admin Throttle</a:t>
             </a:r>
             <a:endParaRPr lang="en-US" dirty="0"/>
-          </a:p>
-        </p:txBody>
-      </p:sp>
-      <p:sp>
-        <p:nvSpPr>
-          <p:cNvPr id="5" name="TextBox 4"/>
-          <p:cNvSpPr txBox="1"/>
-          <p:nvPr/>
-        </p:nvSpPr>
-        <p:spPr>
-          <a:xfrm>
-            <a:off x="5066853" y="4644312"/>
-            <a:ext cx="3765176" cy="2139047"/>
-          </a:xfrm>
-          <a:prstGeom prst="rect">
-            <a:avLst/>
-          </a:prstGeom>
-          <a:noFill/>
-        </p:spPr>
-        <p:txBody>
-          <a:bodyPr wrap="square" rtlCol="0">
-            <a:spAutoFit/>
-          </a:bodyPr>
-          <a:lstStyle/>
-          <a:p>
-            <a:r>
-              <a:rPr lang="en-US" sz="1200" b="1" dirty="0" smtClean="0"/>
-              <a:t>What messages are heard by this throttle</a:t>
-            </a:r>
-          </a:p>
-          <a:p>
-            <a:pPr>
-              <a:buFont typeface="Wingdings" pitchFamily="2" charset="2"/>
-              <a:buChar char="q"/>
-            </a:pPr>
-            <a:r>
-              <a:rPr lang="en-US" sz="1100" dirty="0" smtClean="0"/>
-              <a:t>In </a:t>
-            </a:r>
-            <a:r>
-              <a:rPr lang="en-US" sz="1100" dirty="0" err="1" smtClean="0"/>
-              <a:t>PydaRail</a:t>
-            </a:r>
-            <a:r>
-              <a:rPr lang="en-US" sz="1100" dirty="0" smtClean="0"/>
-              <a:t> mode </a:t>
-            </a:r>
-          </a:p>
-          <a:p>
-            <a:pPr lvl="1">
-              <a:buFont typeface="Wingdings" pitchFamily="2" charset="2"/>
-              <a:buChar char="q"/>
-            </a:pPr>
-            <a:r>
-              <a:rPr lang="en-US" sz="1100" dirty="0" smtClean="0"/>
-              <a:t>Only the messages that </a:t>
-            </a:r>
-            <a:r>
-              <a:rPr lang="en-US" sz="1100" dirty="0" err="1" smtClean="0"/>
-              <a:t>PydaRail</a:t>
-            </a:r>
-            <a:r>
-              <a:rPr lang="en-US" sz="1100" dirty="0" smtClean="0"/>
-              <a:t> sends to throttles.</a:t>
-            </a:r>
-          </a:p>
-          <a:p>
-            <a:pPr>
-              <a:buFont typeface="Wingdings" pitchFamily="2" charset="2"/>
-              <a:buChar char="q"/>
-            </a:pPr>
-            <a:r>
-              <a:rPr lang="en-US" sz="1100" dirty="0" smtClean="0"/>
-              <a:t>In Standalone mode with the simulator</a:t>
-            </a:r>
-          </a:p>
-          <a:p>
-            <a:pPr lvl="1">
-              <a:buFont typeface="Wingdings" pitchFamily="2" charset="2"/>
-              <a:buChar char="q"/>
-            </a:pPr>
-            <a:r>
-              <a:rPr lang="en-US" sz="1100" dirty="0" smtClean="0"/>
-              <a:t>Commands from all other throttles </a:t>
-            </a:r>
-          </a:p>
-          <a:p>
-            <a:pPr lvl="1">
-              <a:buFont typeface="Wingdings" pitchFamily="2" charset="2"/>
-              <a:buChar char="q"/>
-            </a:pPr>
-            <a:r>
-              <a:rPr lang="en-US" sz="1100" dirty="0" smtClean="0"/>
-              <a:t>Sensor and switch reports</a:t>
-            </a:r>
-          </a:p>
-          <a:p>
-            <a:pPr>
-              <a:buFont typeface="Wingdings" pitchFamily="2" charset="2"/>
-              <a:buChar char="q"/>
-            </a:pPr>
-            <a:r>
-              <a:rPr lang="en-US" sz="1100" dirty="0" smtClean="0"/>
-              <a:t>In Standalone mode with the  </a:t>
-            </a:r>
-            <a:r>
-              <a:rPr lang="en-US" sz="1100" dirty="0" err="1" smtClean="0"/>
-              <a:t>LocoBuffer</a:t>
-            </a:r>
-            <a:endParaRPr lang="en-US" sz="1100" dirty="0" smtClean="0"/>
-          </a:p>
-          <a:p>
-            <a:pPr lvl="1">
-              <a:buFont typeface="Wingdings" pitchFamily="2" charset="2"/>
-              <a:buChar char="q"/>
-            </a:pPr>
-            <a:r>
-              <a:rPr lang="en-US" sz="1100" dirty="0" smtClean="0"/>
-              <a:t>Commands from the </a:t>
-            </a:r>
-            <a:r>
-              <a:rPr lang="en-US" sz="1100" dirty="0" err="1" smtClean="0"/>
-              <a:t>Digiitrax</a:t>
-            </a:r>
-            <a:r>
-              <a:rPr lang="en-US" sz="1100" dirty="0" smtClean="0"/>
-              <a:t> throttles</a:t>
-            </a:r>
-          </a:p>
-          <a:p>
-            <a:pPr lvl="1">
-              <a:buFont typeface="Wingdings" pitchFamily="2" charset="2"/>
-              <a:buChar char="q"/>
-            </a:pPr>
-            <a:r>
-              <a:rPr lang="en-US" sz="1100" dirty="0" smtClean="0"/>
-              <a:t>Sensor and switch reports</a:t>
-            </a:r>
-          </a:p>
-          <a:p>
-            <a:r>
-              <a:rPr lang="en-US" sz="1100" b="1" dirty="0" smtClean="0">
-                <a:solidFill>
-                  <a:srgbClr val="FF0000"/>
-                </a:solidFill>
-              </a:rPr>
-              <a:t>Mode</a:t>
-            </a:r>
-          </a:p>
-          <a:p>
-            <a:pPr>
-              <a:buFont typeface="Wingdings" pitchFamily="2" charset="2"/>
-              <a:buChar char="q"/>
-            </a:pPr>
-            <a:r>
-              <a:rPr lang="en-US" sz="1100" dirty="0" smtClean="0">
-                <a:solidFill>
-                  <a:srgbClr val="FF0000"/>
-                </a:solidFill>
-              </a:rPr>
-              <a:t>Initially in stand alone mode</a:t>
-            </a:r>
-          </a:p>
-          <a:p>
-            <a:pPr>
-              <a:buFont typeface="Wingdings" pitchFamily="2" charset="2"/>
-              <a:buChar char="q"/>
-            </a:pPr>
-            <a:r>
-              <a:rPr lang="en-US" sz="1100" dirty="0" smtClean="0">
-                <a:solidFill>
-                  <a:srgbClr val="FF0000"/>
-                </a:solidFill>
-              </a:rPr>
-              <a:t>In response to </a:t>
-            </a:r>
-            <a:r>
-              <a:rPr lang="en-US" sz="1100" dirty="0" err="1" smtClean="0">
-                <a:solidFill>
-                  <a:srgbClr val="FF0000"/>
-                </a:solidFill>
-              </a:rPr>
-              <a:t>Xf</a:t>
-            </a:r>
-            <a:r>
-              <a:rPr lang="en-US" sz="1100" dirty="0" smtClean="0">
-                <a:solidFill>
-                  <a:srgbClr val="FF0000"/>
-                </a:solidFill>
-              </a:rPr>
-              <a:t> (read XML) goes into </a:t>
-            </a:r>
-            <a:r>
-              <a:rPr lang="en-US" sz="1100" dirty="0" err="1" smtClean="0">
-                <a:solidFill>
-                  <a:srgbClr val="FF0000"/>
-                </a:solidFill>
-              </a:rPr>
-              <a:t>PydaRail</a:t>
-            </a:r>
-            <a:r>
-              <a:rPr lang="en-US" sz="1100" dirty="0" smtClean="0">
-                <a:solidFill>
-                  <a:srgbClr val="FF0000"/>
-                </a:solidFill>
-              </a:rPr>
-              <a:t> mode</a:t>
-            </a:r>
-            <a:endParaRPr lang="en-US" sz="1100" dirty="0">
-              <a:solidFill>
-                <a:srgbClr val="FF0000"/>
-              </a:solidFill>
-            </a:endParaRPr>
-          </a:p>
-        </p:txBody>
-      </p:sp>
-      <p:sp>
-        <p:nvSpPr>
-          <p:cNvPr id="6" name="TextBox 5"/>
-          <p:cNvSpPr txBox="1"/>
-          <p:nvPr/>
-        </p:nvSpPr>
-        <p:spPr>
-          <a:xfrm>
-            <a:off x="7423496" y="810491"/>
-            <a:ext cx="1649384" cy="2893100"/>
-          </a:xfrm>
-          <a:prstGeom prst="rect">
-            <a:avLst/>
-          </a:prstGeom>
-          <a:noFill/>
-        </p:spPr>
-        <p:txBody>
-          <a:bodyPr wrap="square" rtlCol="0">
-            <a:spAutoFit/>
-          </a:bodyPr>
-          <a:lstStyle/>
-          <a:p>
-            <a:r>
-              <a:rPr lang="en-US" sz="1200" b="1" dirty="0" smtClean="0">
-                <a:solidFill>
-                  <a:srgbClr val="FF0000"/>
-                </a:solidFill>
-              </a:rPr>
-              <a:t>Train states</a:t>
-            </a:r>
-          </a:p>
-          <a:p>
-            <a:pPr>
-              <a:buFont typeface="Wingdings" pitchFamily="2" charset="2"/>
-              <a:buChar char="q"/>
-            </a:pPr>
-            <a:r>
-              <a:rPr lang="en-US" sz="1000" dirty="0" smtClean="0">
-                <a:solidFill>
-                  <a:srgbClr val="FF0000"/>
-                </a:solidFill>
-                <a:latin typeface="Courier New" pitchFamily="49" charset="0"/>
-                <a:cs typeface="Courier New" pitchFamily="49" charset="0"/>
-              </a:rPr>
-              <a:t>M  moving</a:t>
-            </a:r>
-          </a:p>
-          <a:p>
-            <a:pPr>
-              <a:buFont typeface="Wingdings" pitchFamily="2" charset="2"/>
-              <a:buChar char="q"/>
-            </a:pPr>
-            <a:r>
-              <a:rPr lang="en-US" sz="1000" dirty="0" smtClean="0">
-                <a:solidFill>
-                  <a:srgbClr val="FF0000"/>
-                </a:solidFill>
-                <a:latin typeface="Courier New" pitchFamily="49" charset="0"/>
-                <a:cs typeface="Courier New" pitchFamily="49" charset="0"/>
-              </a:rPr>
-              <a:t>H  halt</a:t>
-            </a:r>
-          </a:p>
-          <a:p>
-            <a:pPr>
-              <a:buFont typeface="Wingdings" pitchFamily="2" charset="2"/>
-              <a:buChar char="q"/>
-            </a:pPr>
-            <a:r>
-              <a:rPr lang="en-US" sz="1000" dirty="0" smtClean="0">
-                <a:solidFill>
-                  <a:srgbClr val="FF0000"/>
-                </a:solidFill>
-                <a:latin typeface="Courier New" pitchFamily="49" charset="0"/>
-                <a:cs typeface="Courier New" pitchFamily="49" charset="0"/>
-              </a:rPr>
-              <a:t>BH begin halt</a:t>
-            </a:r>
-          </a:p>
-          <a:p>
-            <a:pPr>
-              <a:buFont typeface="Wingdings" pitchFamily="2" charset="2"/>
-              <a:buChar char="q"/>
-            </a:pPr>
-            <a:r>
-              <a:rPr lang="en-US" sz="1000" dirty="0" smtClean="0">
-                <a:solidFill>
-                  <a:srgbClr val="FF0000"/>
-                </a:solidFill>
-                <a:latin typeface="Courier New" pitchFamily="49" charset="0"/>
-                <a:cs typeface="Courier New" pitchFamily="49" charset="0"/>
-              </a:rPr>
-              <a:t>W  wait</a:t>
-            </a:r>
-          </a:p>
-          <a:p>
-            <a:pPr>
-              <a:buFont typeface="Wingdings" pitchFamily="2" charset="2"/>
-              <a:buChar char="q"/>
-            </a:pPr>
-            <a:r>
-              <a:rPr lang="en-US" sz="1000" dirty="0" smtClean="0">
-                <a:solidFill>
-                  <a:srgbClr val="FF0000"/>
-                </a:solidFill>
-                <a:latin typeface="Courier New" pitchFamily="49" charset="0"/>
-                <a:cs typeface="Courier New" pitchFamily="49" charset="0"/>
-              </a:rPr>
-              <a:t>BW begin wait</a:t>
-            </a:r>
-          </a:p>
-          <a:p>
-            <a:pPr>
-              <a:buFont typeface="Wingdings" pitchFamily="2" charset="2"/>
-              <a:buChar char="q"/>
-            </a:pPr>
-            <a:r>
-              <a:rPr lang="en-US" sz="1000" dirty="0" smtClean="0">
-                <a:solidFill>
-                  <a:srgbClr val="FF0000"/>
-                </a:solidFill>
-                <a:latin typeface="Courier New" pitchFamily="49" charset="0"/>
-                <a:cs typeface="Courier New" pitchFamily="49" charset="0"/>
-              </a:rPr>
-              <a:t>BD begin change</a:t>
-            </a:r>
-            <a:br>
-              <a:rPr lang="en-US" sz="1000" dirty="0" smtClean="0">
-                <a:solidFill>
-                  <a:srgbClr val="FF0000"/>
-                </a:solidFill>
-                <a:latin typeface="Courier New" pitchFamily="49" charset="0"/>
-                <a:cs typeface="Courier New" pitchFamily="49" charset="0"/>
-              </a:rPr>
-            </a:br>
-            <a:r>
-              <a:rPr lang="en-US" sz="1000" dirty="0" smtClean="0">
-                <a:solidFill>
-                  <a:srgbClr val="FF0000"/>
-                </a:solidFill>
-                <a:latin typeface="Courier New" pitchFamily="49" charset="0"/>
-                <a:cs typeface="Courier New" pitchFamily="49" charset="0"/>
-              </a:rPr>
-              <a:t>      direction</a:t>
-            </a:r>
-          </a:p>
-          <a:p>
-            <a:pPr>
-              <a:buFont typeface="Wingdings" pitchFamily="2" charset="2"/>
-              <a:buChar char="q"/>
-            </a:pPr>
-            <a:r>
-              <a:rPr lang="en-US" sz="1000" dirty="0" smtClean="0">
-                <a:solidFill>
-                  <a:srgbClr val="FF0000"/>
-                </a:solidFill>
-                <a:latin typeface="Courier New" pitchFamily="49" charset="0"/>
-                <a:cs typeface="Courier New" pitchFamily="49" charset="0"/>
-              </a:rPr>
-              <a:t>E  error</a:t>
-            </a:r>
-          </a:p>
-          <a:p>
-            <a:pPr>
-              <a:buFont typeface="Wingdings" pitchFamily="2" charset="2"/>
-              <a:buChar char="q"/>
-            </a:pPr>
-            <a:r>
-              <a:rPr lang="en-US" sz="1000" dirty="0" smtClean="0">
-                <a:solidFill>
-                  <a:srgbClr val="FF0000"/>
-                </a:solidFill>
-                <a:latin typeface="Courier New" pitchFamily="49" charset="0"/>
-                <a:cs typeface="Courier New" pitchFamily="49" charset="0"/>
-              </a:rPr>
-              <a:t>U  unknown</a:t>
-            </a:r>
-          </a:p>
-          <a:p>
-            <a:pPr>
-              <a:buFont typeface="Wingdings" pitchFamily="2" charset="2"/>
-              <a:buChar char="q"/>
-            </a:pPr>
-            <a:endParaRPr lang="en-US" sz="1000" dirty="0" smtClean="0">
-              <a:solidFill>
-                <a:srgbClr val="FF0000"/>
-              </a:solidFill>
-              <a:latin typeface="Courier New" pitchFamily="49" charset="0"/>
-              <a:cs typeface="Courier New" pitchFamily="49" charset="0"/>
-            </a:endParaRPr>
-          </a:p>
-          <a:p>
-            <a:r>
-              <a:rPr lang="en-US" sz="1000" dirty="0" smtClean="0">
-                <a:solidFill>
-                  <a:srgbClr val="FF0000"/>
-                </a:solidFill>
-                <a:latin typeface="Courier New" pitchFamily="49" charset="0"/>
-                <a:cs typeface="Courier New" pitchFamily="49" charset="0"/>
-              </a:rPr>
-              <a:t>TCP/IP connection</a:t>
-            </a:r>
-          </a:p>
-          <a:p>
-            <a:pPr>
-              <a:buFont typeface="Wingdings" pitchFamily="2" charset="2"/>
-              <a:buChar char="q"/>
-            </a:pPr>
-            <a:r>
-              <a:rPr lang="en-US" sz="1000" dirty="0" smtClean="0">
-                <a:solidFill>
-                  <a:srgbClr val="FF0000"/>
-                </a:solidFill>
-                <a:latin typeface="Courier New" pitchFamily="49" charset="0"/>
-                <a:cs typeface="Courier New" pitchFamily="49" charset="0"/>
-              </a:rPr>
-              <a:t>Default IP 127.0.0.1  Port 14804</a:t>
-            </a:r>
-          </a:p>
-          <a:p>
-            <a:pPr>
-              <a:buFont typeface="Wingdings" pitchFamily="2" charset="2"/>
-              <a:buChar char="q"/>
-            </a:pPr>
-            <a:r>
-              <a:rPr lang="en-US" sz="1000" dirty="0" smtClean="0">
-                <a:solidFill>
-                  <a:srgbClr val="FF0000"/>
-                </a:solidFill>
-                <a:latin typeface="Courier New" pitchFamily="49" charset="0"/>
-                <a:cs typeface="Courier New" pitchFamily="49" charset="0"/>
-              </a:rPr>
-              <a:t>If server not found, then asks</a:t>
-            </a:r>
-          </a:p>
-          <a:p>
-            <a:r>
-              <a:rPr lang="en-US" sz="1000" dirty="0" smtClean="0">
-                <a:solidFill>
-                  <a:srgbClr val="FF0000"/>
-                </a:solidFill>
-                <a:latin typeface="Courier New" pitchFamily="49" charset="0"/>
-                <a:cs typeface="Courier New" pitchFamily="49" charset="0"/>
-              </a:rPr>
-              <a:t> </a:t>
-            </a:r>
-            <a:endParaRPr lang="en-US" sz="1000" dirty="0">
-              <a:solidFill>
-                <a:srgbClr val="FF0000"/>
-              </a:solidFill>
-              <a:latin typeface="Courier New" pitchFamily="49" charset="0"/>
-              <a:cs typeface="Courier New" pitchFamily="49" charset="0"/>
-            </a:endParaRPr>
           </a:p>
         </p:txBody>
       </p:sp>
